--- a/2. Core Java/Day 10/Slides/2. Anatomy of a jQuery Command/2-jquery-getting-started-m2-slides.pptx
+++ b/2. Core Java/Day 10/Slides/2. Anatomy of a jQuery Command/2-jquery-getting-started-m2-slides.pptx
@@ -2911,7 +2911,7 @@
         </p:blipFill>
         <p:spPr>
           <a:xfrm>
-            <a:off x="18288" y="254"/>
+            <a:off x="228473" y="381254"/>
             <a:ext cx="12173712" cy="6848856"/>
           </a:xfrm>
           <a:prstGeom prst="rect">
